--- a/Final-IBM-capstone-project-Aparupa.pptx
+++ b/Final-IBM-capstone-project-Aparupa.pptx
@@ -2159,6 +2159,90 @@
           <a:p>
             <a:fld id="{EEBDA0E2-FEBD-4B65-8F16-724CF984F377}" type="slidenum">
               <a:rPr lang="en-US" smtClean="0"/>
+              <a:t>9</a:t>
+            </a:fld>
+            <a:endParaRPr lang="en-US"/>
+          </a:p>
+        </p:txBody>
+      </p:sp>
+    </p:spTree>
+    <p:extLst>
+      <p:ext uri="{BB962C8B-B14F-4D97-AF65-F5344CB8AC3E}">
+        <p14:creationId xmlns:p14="http://schemas.microsoft.com/office/powerpoint/2010/main" val="2159514836"/>
+      </p:ext>
+    </p:extLst>
+  </p:cSld>
+  <p:clrMapOvr>
+    <a:masterClrMapping/>
+  </p:clrMapOvr>
+</p:notes>
+</file>
+
+<file path=ppt/notesSlides/notesSlide7.xml><?xml version="1.0" encoding="utf-8"?>
+<p:notes xmlns:a="http://schemas.openxmlformats.org/drawingml/2006/main" xmlns:r="http://schemas.openxmlformats.org/officeDocument/2006/relationships" xmlns:p="http://schemas.openxmlformats.org/presentationml/2006/main">
+  <p:cSld>
+    <p:spTree>
+      <p:nvGrpSpPr>
+        <p:cNvPr id="1" name=""/>
+        <p:cNvGrpSpPr/>
+        <p:nvPr/>
+      </p:nvGrpSpPr>
+      <p:grpSpPr>
+        <a:xfrm>
+          <a:off x="0" y="0"/>
+          <a:ext cx="0" cy="0"/>
+          <a:chOff x="0" y="0"/>
+          <a:chExt cx="0" cy="0"/>
+        </a:xfrm>
+      </p:grpSpPr>
+      <p:sp>
+        <p:nvSpPr>
+          <p:cNvPr id="2" name="Slide Image Placeholder 1"/>
+          <p:cNvSpPr>
+            <a:spLocks noGrp="1" noRot="1" noChangeAspect="1"/>
+          </p:cNvSpPr>
+          <p:nvPr>
+            <p:ph type="sldImg"/>
+          </p:nvPr>
+        </p:nvSpPr>
+        <p:spPr/>
+      </p:sp>
+      <p:sp>
+        <p:nvSpPr>
+          <p:cNvPr id="3" name="Notes Placeholder 2"/>
+          <p:cNvSpPr>
+            <a:spLocks noGrp="1"/>
+          </p:cNvSpPr>
+          <p:nvPr>
+            <p:ph type="body" idx="1"/>
+          </p:nvPr>
+        </p:nvSpPr>
+        <p:spPr/>
+        <p:txBody>
+          <a:bodyPr/>
+          <a:lstStyle/>
+          <a:p>
+            <a:endParaRPr lang="en-SE" dirty="0"/>
+          </a:p>
+        </p:txBody>
+      </p:sp>
+      <p:sp>
+        <p:nvSpPr>
+          <p:cNvPr id="4" name="Slide Number Placeholder 3"/>
+          <p:cNvSpPr>
+            <a:spLocks noGrp="1"/>
+          </p:cNvSpPr>
+          <p:nvPr>
+            <p:ph type="sldNum" sz="quarter" idx="5"/>
+          </p:nvPr>
+        </p:nvSpPr>
+        <p:spPr/>
+        <p:txBody>
+          <a:bodyPr/>
+          <a:lstStyle/>
+          <a:p>
+            <a:fld id="{EEBDA0E2-FEBD-4B65-8F16-724CF984F377}" type="slidenum">
+              <a:rPr lang="en-US" smtClean="0"/>
               <a:t>17</a:t>
             </a:fld>
             <a:endParaRPr lang="en-US"/>
@@ -2169,6 +2253,90 @@
     <p:extLst>
       <p:ext uri="{BB962C8B-B14F-4D97-AF65-F5344CB8AC3E}">
         <p14:creationId xmlns:p14="http://schemas.microsoft.com/office/powerpoint/2010/main" val="2972277096"/>
+      </p:ext>
+    </p:extLst>
+  </p:cSld>
+  <p:clrMapOvr>
+    <a:masterClrMapping/>
+  </p:clrMapOvr>
+</p:notes>
+</file>
+
+<file path=ppt/notesSlides/notesSlide8.xml><?xml version="1.0" encoding="utf-8"?>
+<p:notes xmlns:a="http://schemas.openxmlformats.org/drawingml/2006/main" xmlns:r="http://schemas.openxmlformats.org/officeDocument/2006/relationships" xmlns:p="http://schemas.openxmlformats.org/presentationml/2006/main">
+  <p:cSld>
+    <p:spTree>
+      <p:nvGrpSpPr>
+        <p:cNvPr id="1" name=""/>
+        <p:cNvGrpSpPr/>
+        <p:nvPr/>
+      </p:nvGrpSpPr>
+      <p:grpSpPr>
+        <a:xfrm>
+          <a:off x="0" y="0"/>
+          <a:ext cx="0" cy="0"/>
+          <a:chOff x="0" y="0"/>
+          <a:chExt cx="0" cy="0"/>
+        </a:xfrm>
+      </p:grpSpPr>
+      <p:sp>
+        <p:nvSpPr>
+          <p:cNvPr id="2" name="Slide Image Placeholder 1"/>
+          <p:cNvSpPr>
+            <a:spLocks noGrp="1" noRot="1" noChangeAspect="1"/>
+          </p:cNvSpPr>
+          <p:nvPr>
+            <p:ph type="sldImg"/>
+          </p:nvPr>
+        </p:nvSpPr>
+        <p:spPr/>
+      </p:sp>
+      <p:sp>
+        <p:nvSpPr>
+          <p:cNvPr id="3" name="Notes Placeholder 2"/>
+          <p:cNvSpPr>
+            <a:spLocks noGrp="1"/>
+          </p:cNvSpPr>
+          <p:nvPr>
+            <p:ph type="body" idx="1"/>
+          </p:nvPr>
+        </p:nvSpPr>
+        <p:spPr/>
+        <p:txBody>
+          <a:bodyPr/>
+          <a:lstStyle/>
+          <a:p>
+            <a:endParaRPr lang="en-SE" dirty="0"/>
+          </a:p>
+        </p:txBody>
+      </p:sp>
+      <p:sp>
+        <p:nvSpPr>
+          <p:cNvPr id="4" name="Slide Number Placeholder 3"/>
+          <p:cNvSpPr>
+            <a:spLocks noGrp="1"/>
+          </p:cNvSpPr>
+          <p:nvPr>
+            <p:ph type="sldNum" sz="quarter" idx="5"/>
+          </p:nvPr>
+        </p:nvSpPr>
+        <p:spPr/>
+        <p:txBody>
+          <a:bodyPr/>
+          <a:lstStyle/>
+          <a:p>
+            <a:fld id="{EEBDA0E2-FEBD-4B65-8F16-724CF984F377}" type="slidenum">
+              <a:rPr lang="en-US" smtClean="0"/>
+              <a:t>20</a:t>
+            </a:fld>
+            <a:endParaRPr lang="en-US"/>
+          </a:p>
+        </p:txBody>
+      </p:sp>
+    </p:spTree>
+    <p:extLst>
+      <p:ext uri="{BB962C8B-B14F-4D97-AF65-F5344CB8AC3E}">
+        <p14:creationId xmlns:p14="http://schemas.microsoft.com/office/powerpoint/2010/main" val="3160440973"/>
       </p:ext>
     </p:extLst>
   </p:cSld>
@@ -6556,9 +6724,16 @@
             <p:ph type="title"/>
           </p:nvPr>
         </p:nvSpPr>
-        <p:spPr/>
+        <p:spPr>
+          <a:xfrm>
+            <a:off x="838200" y="365126"/>
+            <a:ext cx="10515600" cy="826366"/>
+          </a:xfrm>
+        </p:spPr>
         <p:txBody>
-          <a:bodyPr/>
+          <a:bodyPr>
+            <a:normAutofit fontScale="90000"/>
+          </a:bodyPr>
           <a:lstStyle/>
           <a:p>
             <a:r>
@@ -7907,12 +8082,6 @@
             <a:r>
               <a:rPr lang="en-US" dirty="0"/>
               <a:t>Demographics Overview</a:t>
-            </a:r>
-          </a:p>
-          <a:p>
-            <a:r>
-              <a:rPr lang="en-US" dirty="0"/>
-              <a:t>Actions to be taken</a:t>
             </a:r>
           </a:p>
           <a:p>
@@ -9067,7 +9236,7 @@
           </p:nvPr>
         </p:nvPicPr>
         <p:blipFill>
-          <a:blip r:embed="rId2"/>
+          <a:blip r:embed="rId3"/>
           <a:stretch>
             <a:fillRect/>
           </a:stretch>
@@ -10625,7 +10794,7 @@
         </p:spPr>
         <p:txBody>
           <a:bodyPr>
-            <a:normAutofit fontScale="62500" lnSpcReduction="20000"/>
+            <a:normAutofit fontScale="77500" lnSpcReduction="20000"/>
           </a:bodyPr>
           <a:lstStyle/>
           <a:p>
@@ -10727,7 +10896,7 @@
         <p:spPr/>
         <p:txBody>
           <a:bodyPr>
-            <a:normAutofit fontScale="62500" lnSpcReduction="20000"/>
+            <a:normAutofit fontScale="77500" lnSpcReduction="20000"/>
           </a:bodyPr>
           <a:lstStyle/>
           <a:p>
@@ -10744,36 +10913,6 @@
               <a:buNone/>
             </a:pPr>
             <a:endParaRPr lang="en-US" dirty="0"/>
-          </a:p>
-          <a:p>
-            <a:r>
-              <a:rPr lang="en-US" dirty="0">
-                <a:solidFill>
-                  <a:srgbClr val="0E659B"/>
-                </a:solidFill>
-              </a:rPr>
-              <a:t>Web development is demanding</a:t>
-            </a:r>
-          </a:p>
-          <a:p>
-            <a:r>
-              <a:rPr lang="en-US" dirty="0">
-                <a:solidFill>
-                  <a:srgbClr val="0E659B"/>
-                </a:solidFill>
-              </a:rPr>
-              <a:t>In companies Big Data Technology requires SQL</a:t>
-            </a:r>
-          </a:p>
-          <a:p>
-            <a:r>
-              <a:rPr lang="en-US" dirty="0">
-                <a:solidFill>
-                  <a:srgbClr val="0E659B"/>
-                </a:solidFill>
-              </a:rPr>
-              <a:t>AI and ML demand is rising so python is the best choice</a:t>
-            </a:r>
           </a:p>
           <a:p>
             <a:r>
@@ -11385,7 +11524,7 @@
           <p:nvPr/>
         </p:nvPicPr>
         <p:blipFill>
-          <a:blip r:embed="rId2"/>
+          <a:blip r:embed="rId3"/>
           <a:stretch>
             <a:fillRect/>
           </a:stretch>
@@ -11415,7 +11554,7 @@
           <p:nvPr/>
         </p:nvPicPr>
         <p:blipFill>
-          <a:blip r:embed="rId3"/>
+          <a:blip r:embed="rId4"/>
           <a:stretch>
             <a:fillRect/>
           </a:stretch>
@@ -11940,18 +12079,18 @@
 </file>
 
 <file path=customXml/item1.xml><?xml version="1.0" encoding="utf-8"?>
+<p:properties xmlns:p="http://schemas.microsoft.com/office/2006/metadata/properties" xmlns:xsi="http://www.w3.org/2001/XMLSchema-instance" xmlns:pc="http://schemas.microsoft.com/office/infopath/2007/PartnerControls">
+  <documentManagement/>
+</p:properties>
+</file>
+
+<file path=customXml/item2.xml><?xml version="1.0" encoding="utf-8"?>
 <?mso-contentType ?>
 <FormTemplates xmlns="http://schemas.microsoft.com/sharepoint/v3/contenttype/forms">
   <Display>DocumentLibraryForm</Display>
   <Edit>DocumentLibraryForm</Edit>
   <New>DocumentLibraryForm</New>
 </FormTemplates>
-</file>
-
-<file path=customXml/item2.xml><?xml version="1.0" encoding="utf-8"?>
-<p:properties xmlns:p="http://schemas.microsoft.com/office/2006/metadata/properties" xmlns:xsi="http://www.w3.org/2001/XMLSchema-instance" xmlns:pc="http://schemas.microsoft.com/office/infopath/2007/PartnerControls">
-  <documentManagement/>
-</p:properties>
 </file>
 
 <file path=customXml/item3.xml><?xml version="1.0" encoding="utf-8"?>
@@ -12166,18 +12305,18 @@
 </file>
 
 <file path=customXml/itemProps1.xml><?xml version="1.0" encoding="utf-8"?>
-<ds:datastoreItem xmlns:ds="http://schemas.openxmlformats.org/officeDocument/2006/customXml" ds:itemID="{7EFDA260-DDA0-422C-B7AE-778F653FBB36}">
+<ds:datastoreItem xmlns:ds="http://schemas.openxmlformats.org/officeDocument/2006/customXml" ds:itemID="{54DA07C5-A406-4A0D-B3E6-3856C94AC7F3}">
   <ds:schemaRefs>
-    <ds:schemaRef ds:uri="http://schemas.microsoft.com/sharepoint/v3/contenttype/forms"/>
+    <ds:schemaRef ds:uri="http://schemas.microsoft.com/office/2006/metadata/properties"/>
+    <ds:schemaRef ds:uri="http://schemas.microsoft.com/office/infopath/2007/PartnerControls"/>
   </ds:schemaRefs>
 </ds:datastoreItem>
 </file>
 
 <file path=customXml/itemProps2.xml><?xml version="1.0" encoding="utf-8"?>
-<ds:datastoreItem xmlns:ds="http://schemas.openxmlformats.org/officeDocument/2006/customXml" ds:itemID="{54DA07C5-A406-4A0D-B3E6-3856C94AC7F3}">
+<ds:datastoreItem xmlns:ds="http://schemas.openxmlformats.org/officeDocument/2006/customXml" ds:itemID="{7EFDA260-DDA0-422C-B7AE-778F653FBB36}">
   <ds:schemaRefs>
-    <ds:schemaRef ds:uri="http://schemas.microsoft.com/office/2006/metadata/properties"/>
-    <ds:schemaRef ds:uri="http://schemas.microsoft.com/office/infopath/2007/PartnerControls"/>
+    <ds:schemaRef ds:uri="http://schemas.microsoft.com/sharepoint/v3/contenttype/forms"/>
   </ds:schemaRefs>
 </ds:datastoreItem>
 </file>
